--- a/year 3/Deep learning and Natural Language Processing/Lectures/3-NLTK.pptx
+++ b/year 3/Deep learning and Natural Language Processing/Lectures/3-NLTK.pptx
@@ -252,7 +252,7 @@
           <a:p>
             <a:fld id="{33201627-2912-466B-A106-B17AFF3F86FE}" type="datetimeFigureOut">
               <a:rPr lang="en-US" smtClean="0"/>
-              <a:t>10/10/2021</a:t>
+              <a:t>10/18/2022</a:t>
             </a:fld>
             <a:endParaRPr lang="en-US"/>
           </a:p>
@@ -610,6 +610,10 @@
             </a:r>
           </a:p>
           <a:p>
+            <a:r>
+              <a:rPr lang="he-IL" dirty="0"/>
+              <a:t>החיתוך הרגיל בדרך כלל עם רווח אבל זה לא מספיק טוב </a:t>
+            </a:r>
             <a:endParaRPr lang="en-US" dirty="0"/>
           </a:p>
         </p:txBody>
@@ -694,10 +698,31 @@
           <a:bodyPr/>
           <a:lstStyle/>
           <a:p>
-            <a:r>
-              <a:rPr lang="en-US" dirty="0"/>
-              <a:t>0.2*0.4*0.8</a:t>
-            </a:r>
+            <a:pPr marL="0" marR="0" indent="0" algn="l" defTabSz="914400" rtl="0" eaLnBrk="1" fontAlgn="auto" latinLnBrk="0" hangingPunct="1">
+              <a:lnSpc>
+                <a:spcPct val="100000"/>
+              </a:lnSpc>
+              <a:spcBef>
+                <a:spcPts val="0"/>
+              </a:spcBef>
+              <a:spcAft>
+                <a:spcPts val="0"/>
+              </a:spcAft>
+              <a:buClrTx/>
+              <a:buSzTx/>
+              <a:buFontTx/>
+              <a:buNone/>
+              <a:tabLst/>
+              <a:defRPr/>
+            </a:pPr>
+            <a:r>
+              <a:rPr lang="he-IL" dirty="0"/>
+              <a:t>כמו שורש בעברית</a:t>
+            </a:r>
+            <a:endParaRPr lang="en-US" dirty="0"/>
+          </a:p>
+          <a:p>
+            <a:endParaRPr lang="en-US" dirty="0"/>
           </a:p>
         </p:txBody>
       </p:sp>
@@ -718,7 +743,7 @@
           <a:p>
             <a:fld id="{6897432C-C5DC-4C96-AB08-C0744BA83BFD}" type="slidenum">
               <a:rPr lang="en-US" smtClean="0"/>
-              <a:t>35</a:t>
+              <a:t>14</a:t>
             </a:fld>
             <a:endParaRPr lang="en-US"/>
           </a:p>
@@ -727,7 +752,7 @@
     </p:spTree>
     <p:extLst>
       <p:ext uri="{BB962C8B-B14F-4D97-AF65-F5344CB8AC3E}">
-        <p14:creationId xmlns:p14="http://schemas.microsoft.com/office/powerpoint/2010/main" val="1805385375"/>
+        <p14:creationId xmlns:p14="http://schemas.microsoft.com/office/powerpoint/2010/main" val="3589939194"/>
       </p:ext>
     </p:extLst>
   </p:cSld>
@@ -781,6 +806,30 @@
           <a:bodyPr/>
           <a:lstStyle/>
           <a:p>
+            <a:pPr marL="0" marR="0" indent="0" algn="l" defTabSz="914400" rtl="0" eaLnBrk="1" fontAlgn="auto" latinLnBrk="0" hangingPunct="1">
+              <a:lnSpc>
+                <a:spcPct val="100000"/>
+              </a:lnSpc>
+              <a:spcBef>
+                <a:spcPts val="0"/>
+              </a:spcBef>
+              <a:spcAft>
+                <a:spcPts val="0"/>
+              </a:spcAft>
+              <a:buClrTx/>
+              <a:buSzTx/>
+              <a:buFontTx/>
+              <a:buNone/>
+              <a:tabLst/>
+              <a:defRPr/>
+            </a:pPr>
+            <a:r>
+              <a:rPr lang="he-IL" dirty="0"/>
+              <a:t>כמו שורש בעברית</a:t>
+            </a:r>
+            <a:endParaRPr lang="en-US" dirty="0"/>
+          </a:p>
+          <a:p>
             <a:endParaRPr lang="en-US" dirty="0"/>
           </a:p>
         </p:txBody>
@@ -802,7 +851,7 @@
           <a:p>
             <a:fld id="{6897432C-C5DC-4C96-AB08-C0744BA83BFD}" type="slidenum">
               <a:rPr lang="en-US" smtClean="0"/>
-              <a:t>36</a:t>
+              <a:t>15</a:t>
             </a:fld>
             <a:endParaRPr lang="en-US"/>
           </a:p>
@@ -811,7 +860,7 @@
     </p:spTree>
     <p:extLst>
       <p:ext uri="{BB962C8B-B14F-4D97-AF65-F5344CB8AC3E}">
-        <p14:creationId xmlns:p14="http://schemas.microsoft.com/office/powerpoint/2010/main" val="1132729636"/>
+        <p14:creationId xmlns:p14="http://schemas.microsoft.com/office/powerpoint/2010/main" val="3589939194"/>
       </p:ext>
     </p:extLst>
   </p:cSld>
@@ -865,6 +914,72 @@
           <a:bodyPr/>
           <a:lstStyle/>
           <a:p>
+            <a:pPr lvl="1"/>
+            <a:r>
+              <a:rPr lang="en-US" dirty="0"/>
+              <a:t>Chunk: {&lt;RB.?&gt;*&lt;VB.?&gt;*&lt;NNP&gt;+&lt;NN&gt;?}:</a:t>
+            </a:r>
+          </a:p>
+          <a:p>
+            <a:pPr lvl="2"/>
+            <a:r>
+              <a:rPr lang="en-US" dirty="0"/>
+              <a:t>&lt;RB.?&gt;* = 0 or more of any tense of adverb, (.? Means that there can be another character here: RB, RBR, RBS)</a:t>
+            </a:r>
+          </a:p>
+          <a:p>
+            <a:pPr lvl="2"/>
+            <a:r>
+              <a:rPr lang="en-US" dirty="0"/>
+              <a:t>&lt;VB.?&gt;* = 0 or more of any tense of verb,</a:t>
+            </a:r>
+          </a:p>
+          <a:p>
+            <a:pPr lvl="2"/>
+            <a:r>
+              <a:rPr lang="en-US" dirty="0"/>
+              <a:t>&lt;NNP&gt;+ = One or more proper nouns,</a:t>
+            </a:r>
+          </a:p>
+          <a:p>
+            <a:pPr lvl="2"/>
+            <a:r>
+              <a:rPr lang="en-US" dirty="0"/>
+              <a:t>&lt;NN&gt;? = zero or one singular noun.</a:t>
+            </a:r>
+          </a:p>
+          <a:p>
+            <a:pPr lvl="2"/>
+            <a:endParaRPr lang="en-US" dirty="0"/>
+          </a:p>
+          <a:p>
+            <a:pPr marL="914400" marR="0" lvl="2" indent="0" algn="l" defTabSz="914400" rtl="0" eaLnBrk="1" fontAlgn="auto" latinLnBrk="0" hangingPunct="1">
+              <a:lnSpc>
+                <a:spcPct val="100000"/>
+              </a:lnSpc>
+              <a:spcBef>
+                <a:spcPts val="0"/>
+              </a:spcBef>
+              <a:spcAft>
+                <a:spcPts val="0"/>
+              </a:spcAft>
+              <a:buClrTx/>
+              <a:buSzTx/>
+              <a:buFontTx/>
+              <a:buNone/>
+              <a:tabLst/>
+              <a:defRPr/>
+            </a:pPr>
+            <a:r>
+              <a:rPr lang="en-US" sz="1200" dirty="0"/>
+              <a:t>https://pythonprogramming.net/chunking-nltk-tutorial/</a:t>
+            </a:r>
+          </a:p>
+          <a:p>
+            <a:pPr lvl="2"/>
+            <a:endParaRPr lang="en-US" dirty="0"/>
+          </a:p>
+          <a:p>
             <a:endParaRPr lang="en-US" dirty="0"/>
           </a:p>
         </p:txBody>
@@ -884,9 +999,9 @@
           <a:bodyPr/>
           <a:lstStyle/>
           <a:p>
-            <a:fld id="{FE3E82EE-7451-4C05-8278-666C0434947B}" type="slidenum">
+            <a:fld id="{6897432C-C5DC-4C96-AB08-C0744BA83BFD}" type="slidenum">
               <a:rPr lang="en-US" smtClean="0"/>
-              <a:t>41</a:t>
+              <a:t>16</a:t>
             </a:fld>
             <a:endParaRPr lang="en-US"/>
           </a:p>
@@ -895,7 +1010,7 @@
     </p:spTree>
     <p:extLst>
       <p:ext uri="{BB962C8B-B14F-4D97-AF65-F5344CB8AC3E}">
-        <p14:creationId xmlns:p14="http://schemas.microsoft.com/office/powerpoint/2010/main" val="2092702475"/>
+        <p14:creationId xmlns:p14="http://schemas.microsoft.com/office/powerpoint/2010/main" val="3091407052"/>
       </p:ext>
     </p:extLst>
   </p:cSld>
@@ -950,31 +1065,22 @@
           <a:lstStyle/>
           <a:p>
             <a:r>
-              <a:rPr lang="en-US" dirty="0"/>
-              <a:t>A CCG parser</a:t>
-            </a:r>
-            <a:r>
-              <a:rPr lang="en-US" baseline="0" dirty="0"/>
-              <a:t> has a lexicon, in which each lexicon entry has a word which is associated with both a syntax and semantics.</a:t>
-            </a:r>
-          </a:p>
-          <a:p>
-            <a:r>
-              <a:rPr lang="en-US" baseline="0" dirty="0"/>
-              <a:t>	explain how you read the syntax!</a:t>
-            </a:r>
-          </a:p>
-          <a:p>
-            <a:r>
-              <a:rPr lang="en-US" baseline="0" dirty="0"/>
-              <a:t>There also is a list of unary rules which can modify the syntax of a token, and have a syntactic input, syntactic output and the semantics associated with this operation.</a:t>
-            </a:r>
-          </a:p>
-          <a:p>
-            <a:r>
-              <a:rPr lang="en-US" baseline="0" dirty="0"/>
-              <a:t>The CCG parser also has the ability to skip (ignore) words.</a:t>
-            </a:r>
+              <a:rPr lang="en-US" b="1" dirty="0" err="1"/>
+              <a:t>Cocke</a:t>
+            </a:r>
+            <a:r>
+              <a:rPr lang="en-US" b="1" dirty="0"/>
+              <a:t>–Younger–</a:t>
+            </a:r>
+            <a:r>
+              <a:rPr lang="en-US" b="1" dirty="0" err="1"/>
+              <a:t>Kasami</a:t>
+            </a:r>
+            <a:r>
+              <a:rPr lang="en-US" b="1" dirty="0"/>
+              <a:t> </a:t>
+            </a:r>
+            <a:endParaRPr lang="en-US" dirty="0"/>
           </a:p>
         </p:txBody>
       </p:sp>
@@ -993,9 +1099,9 @@
           <a:bodyPr/>
           <a:lstStyle/>
           <a:p>
-            <a:fld id="{FE3E82EE-7451-4C05-8278-666C0434947B}" type="slidenum">
+            <a:fld id="{6897432C-C5DC-4C96-AB08-C0744BA83BFD}" type="slidenum">
               <a:rPr lang="en-US" smtClean="0"/>
-              <a:t>42</a:t>
+              <a:t>28</a:t>
             </a:fld>
             <a:endParaRPr lang="en-US"/>
           </a:p>
@@ -1004,7 +1110,7 @@
     </p:spTree>
     <p:extLst>
       <p:ext uri="{BB962C8B-B14F-4D97-AF65-F5344CB8AC3E}">
-        <p14:creationId xmlns:p14="http://schemas.microsoft.com/office/powerpoint/2010/main" val="193102248"/>
+        <p14:creationId xmlns:p14="http://schemas.microsoft.com/office/powerpoint/2010/main" val="1984463254"/>
       </p:ext>
     </p:extLst>
   </p:cSld>
@@ -1060,19 +1166,7 @@
           <a:p>
             <a:r>
               <a:rPr lang="en-US" dirty="0"/>
-              <a:t>If we have more than a single sentence we should split it with</a:t>
-            </a:r>
-            <a:r>
-              <a:rPr lang="en-US" baseline="0" dirty="0"/>
-              <a:t> the sentence </a:t>
-            </a:r>
-            <a:r>
-              <a:rPr lang="en-US" baseline="0" dirty="0" err="1"/>
-              <a:t>tokenizer</a:t>
-            </a:r>
-            <a:r>
-              <a:rPr lang="en-US" baseline="0" dirty="0"/>
-              <a:t>.</a:t>
+              <a:t>0.2*0.4*0.8</a:t>
             </a:r>
           </a:p>
         </p:txBody>
@@ -1094,7 +1188,7 @@
           <a:p>
             <a:fld id="{6897432C-C5DC-4C96-AB08-C0744BA83BFD}" type="slidenum">
               <a:rPr lang="en-US" smtClean="0"/>
-              <a:t>44</a:t>
+              <a:t>35</a:t>
             </a:fld>
             <a:endParaRPr lang="en-US"/>
           </a:p>
@@ -1103,7 +1197,7 @@
     </p:spTree>
     <p:extLst>
       <p:ext uri="{BB962C8B-B14F-4D97-AF65-F5344CB8AC3E}">
-        <p14:creationId xmlns:p14="http://schemas.microsoft.com/office/powerpoint/2010/main" val="1013481389"/>
+        <p14:creationId xmlns:p14="http://schemas.microsoft.com/office/powerpoint/2010/main" val="1805385375"/>
       </p:ext>
     </p:extLst>
   </p:cSld>
@@ -1113,7 +1207,7 @@
 </p:notes>
 </file>
 
-<file path=ppt/notesSlides/notesSlide2.xml><?xml version="1.0" encoding="utf-8"?>
+<file path=ppt/notesSlides/notesSlide15.xml><?xml version="1.0" encoding="utf-8"?>
 <p:notes xmlns:a="http://schemas.openxmlformats.org/drawingml/2006/main" xmlns:r="http://schemas.openxmlformats.org/officeDocument/2006/relationships" xmlns:p="http://schemas.openxmlformats.org/presentationml/2006/main">
   <p:cSld>
     <p:spTree>
@@ -1157,10 +1251,7 @@
           <a:bodyPr/>
           <a:lstStyle/>
           <a:p>
-            <a:r>
-              <a:rPr lang="en-US" dirty="0"/>
-              <a:t>Recall our search.py from previous lesson.</a:t>
-            </a:r>
+            <a:endParaRPr lang="en-US" dirty="0"/>
           </a:p>
         </p:txBody>
       </p:sp>
@@ -1181,7 +1272,7 @@
           <a:p>
             <a:fld id="{6897432C-C5DC-4C96-AB08-C0744BA83BFD}" type="slidenum">
               <a:rPr lang="en-US" smtClean="0"/>
-              <a:t>4</a:t>
+              <a:t>36</a:t>
             </a:fld>
             <a:endParaRPr lang="en-US"/>
           </a:p>
@@ -1190,7 +1281,383 @@
     </p:spTree>
     <p:extLst>
       <p:ext uri="{BB962C8B-B14F-4D97-AF65-F5344CB8AC3E}">
-        <p14:creationId xmlns:p14="http://schemas.microsoft.com/office/powerpoint/2010/main" val="3220035171"/>
+        <p14:creationId xmlns:p14="http://schemas.microsoft.com/office/powerpoint/2010/main" val="1132729636"/>
+      </p:ext>
+    </p:extLst>
+  </p:cSld>
+  <p:clrMapOvr>
+    <a:masterClrMapping/>
+  </p:clrMapOvr>
+</p:notes>
+</file>
+
+<file path=ppt/notesSlides/notesSlide16.xml><?xml version="1.0" encoding="utf-8"?>
+<p:notes xmlns:a="http://schemas.openxmlformats.org/drawingml/2006/main" xmlns:r="http://schemas.openxmlformats.org/officeDocument/2006/relationships" xmlns:p="http://schemas.openxmlformats.org/presentationml/2006/main">
+  <p:cSld>
+    <p:spTree>
+      <p:nvGrpSpPr>
+        <p:cNvPr id="1" name=""/>
+        <p:cNvGrpSpPr/>
+        <p:nvPr/>
+      </p:nvGrpSpPr>
+      <p:grpSpPr>
+        <a:xfrm>
+          <a:off x="0" y="0"/>
+          <a:ext cx="0" cy="0"/>
+          <a:chOff x="0" y="0"/>
+          <a:chExt cx="0" cy="0"/>
+        </a:xfrm>
+      </p:grpSpPr>
+      <p:sp>
+        <p:nvSpPr>
+          <p:cNvPr id="2" name="Slide Image Placeholder 1"/>
+          <p:cNvSpPr>
+            <a:spLocks noGrp="1" noRot="1" noChangeAspect="1"/>
+          </p:cNvSpPr>
+          <p:nvPr>
+            <p:ph type="sldImg"/>
+          </p:nvPr>
+        </p:nvSpPr>
+        <p:spPr/>
+      </p:sp>
+      <p:sp>
+        <p:nvSpPr>
+          <p:cNvPr id="3" name="Notes Placeholder 2"/>
+          <p:cNvSpPr>
+            <a:spLocks noGrp="1"/>
+          </p:cNvSpPr>
+          <p:nvPr>
+            <p:ph type="body" idx="1"/>
+          </p:nvPr>
+        </p:nvSpPr>
+        <p:spPr/>
+        <p:txBody>
+          <a:bodyPr/>
+          <a:lstStyle/>
+          <a:p>
+            <a:endParaRPr lang="en-US" dirty="0"/>
+          </a:p>
+        </p:txBody>
+      </p:sp>
+      <p:sp>
+        <p:nvSpPr>
+          <p:cNvPr id="4" name="Slide Number Placeholder 3"/>
+          <p:cNvSpPr>
+            <a:spLocks noGrp="1"/>
+          </p:cNvSpPr>
+          <p:nvPr>
+            <p:ph type="sldNum" sz="quarter" idx="10"/>
+          </p:nvPr>
+        </p:nvSpPr>
+        <p:spPr/>
+        <p:txBody>
+          <a:bodyPr/>
+          <a:lstStyle/>
+          <a:p>
+            <a:fld id="{FE3E82EE-7451-4C05-8278-666C0434947B}" type="slidenum">
+              <a:rPr lang="en-US" smtClean="0"/>
+              <a:t>41</a:t>
+            </a:fld>
+            <a:endParaRPr lang="en-US"/>
+          </a:p>
+        </p:txBody>
+      </p:sp>
+    </p:spTree>
+    <p:extLst>
+      <p:ext uri="{BB962C8B-B14F-4D97-AF65-F5344CB8AC3E}">
+        <p14:creationId xmlns:p14="http://schemas.microsoft.com/office/powerpoint/2010/main" val="2092702475"/>
+      </p:ext>
+    </p:extLst>
+  </p:cSld>
+  <p:clrMapOvr>
+    <a:masterClrMapping/>
+  </p:clrMapOvr>
+</p:notes>
+</file>
+
+<file path=ppt/notesSlides/notesSlide17.xml><?xml version="1.0" encoding="utf-8"?>
+<p:notes xmlns:a="http://schemas.openxmlformats.org/drawingml/2006/main" xmlns:r="http://schemas.openxmlformats.org/officeDocument/2006/relationships" xmlns:p="http://schemas.openxmlformats.org/presentationml/2006/main">
+  <p:cSld>
+    <p:spTree>
+      <p:nvGrpSpPr>
+        <p:cNvPr id="1" name=""/>
+        <p:cNvGrpSpPr/>
+        <p:nvPr/>
+      </p:nvGrpSpPr>
+      <p:grpSpPr>
+        <a:xfrm>
+          <a:off x="0" y="0"/>
+          <a:ext cx="0" cy="0"/>
+          <a:chOff x="0" y="0"/>
+          <a:chExt cx="0" cy="0"/>
+        </a:xfrm>
+      </p:grpSpPr>
+      <p:sp>
+        <p:nvSpPr>
+          <p:cNvPr id="2" name="Slide Image Placeholder 1"/>
+          <p:cNvSpPr>
+            <a:spLocks noGrp="1" noRot="1" noChangeAspect="1"/>
+          </p:cNvSpPr>
+          <p:nvPr>
+            <p:ph type="sldImg"/>
+          </p:nvPr>
+        </p:nvSpPr>
+        <p:spPr/>
+      </p:sp>
+      <p:sp>
+        <p:nvSpPr>
+          <p:cNvPr id="3" name="Notes Placeholder 2"/>
+          <p:cNvSpPr>
+            <a:spLocks noGrp="1"/>
+          </p:cNvSpPr>
+          <p:nvPr>
+            <p:ph type="body" idx="1"/>
+          </p:nvPr>
+        </p:nvSpPr>
+        <p:spPr/>
+        <p:txBody>
+          <a:bodyPr/>
+          <a:lstStyle/>
+          <a:p>
+            <a:r>
+              <a:rPr lang="en-US" dirty="0"/>
+              <a:t>A CCG parser</a:t>
+            </a:r>
+            <a:r>
+              <a:rPr lang="en-US" baseline="0" dirty="0"/>
+              <a:t> has a lexicon, in which each lexicon entry has a word which is associated with both a syntax and semantics.</a:t>
+            </a:r>
+          </a:p>
+          <a:p>
+            <a:r>
+              <a:rPr lang="en-US" baseline="0" dirty="0"/>
+              <a:t>	explain how you read the syntax!</a:t>
+            </a:r>
+          </a:p>
+          <a:p>
+            <a:r>
+              <a:rPr lang="en-US" baseline="0" dirty="0"/>
+              <a:t>There also is a list of unary rules which can modify the syntax of a token, and have a syntactic input, syntactic output and the semantics associated with this operation.</a:t>
+            </a:r>
+          </a:p>
+          <a:p>
+            <a:r>
+              <a:rPr lang="en-US" baseline="0" dirty="0"/>
+              <a:t>The CCG parser also has the ability to skip (ignore) words.</a:t>
+            </a:r>
+          </a:p>
+        </p:txBody>
+      </p:sp>
+      <p:sp>
+        <p:nvSpPr>
+          <p:cNvPr id="4" name="Slide Number Placeholder 3"/>
+          <p:cNvSpPr>
+            <a:spLocks noGrp="1"/>
+          </p:cNvSpPr>
+          <p:nvPr>
+            <p:ph type="sldNum" sz="quarter" idx="10"/>
+          </p:nvPr>
+        </p:nvSpPr>
+        <p:spPr/>
+        <p:txBody>
+          <a:bodyPr/>
+          <a:lstStyle/>
+          <a:p>
+            <a:fld id="{FE3E82EE-7451-4C05-8278-666C0434947B}" type="slidenum">
+              <a:rPr lang="en-US" smtClean="0"/>
+              <a:t>42</a:t>
+            </a:fld>
+            <a:endParaRPr lang="en-US"/>
+          </a:p>
+        </p:txBody>
+      </p:sp>
+    </p:spTree>
+    <p:extLst>
+      <p:ext uri="{BB962C8B-B14F-4D97-AF65-F5344CB8AC3E}">
+        <p14:creationId xmlns:p14="http://schemas.microsoft.com/office/powerpoint/2010/main" val="193102248"/>
+      </p:ext>
+    </p:extLst>
+  </p:cSld>
+  <p:clrMapOvr>
+    <a:masterClrMapping/>
+  </p:clrMapOvr>
+</p:notes>
+</file>
+
+<file path=ppt/notesSlides/notesSlide18.xml><?xml version="1.0" encoding="utf-8"?>
+<p:notes xmlns:a="http://schemas.openxmlformats.org/drawingml/2006/main" xmlns:r="http://schemas.openxmlformats.org/officeDocument/2006/relationships" xmlns:p="http://schemas.openxmlformats.org/presentationml/2006/main">
+  <p:cSld>
+    <p:spTree>
+      <p:nvGrpSpPr>
+        <p:cNvPr id="1" name=""/>
+        <p:cNvGrpSpPr/>
+        <p:nvPr/>
+      </p:nvGrpSpPr>
+      <p:grpSpPr>
+        <a:xfrm>
+          <a:off x="0" y="0"/>
+          <a:ext cx="0" cy="0"/>
+          <a:chOff x="0" y="0"/>
+          <a:chExt cx="0" cy="0"/>
+        </a:xfrm>
+      </p:grpSpPr>
+      <p:sp>
+        <p:nvSpPr>
+          <p:cNvPr id="2" name="Slide Image Placeholder 1"/>
+          <p:cNvSpPr>
+            <a:spLocks noGrp="1" noRot="1" noChangeAspect="1"/>
+          </p:cNvSpPr>
+          <p:nvPr>
+            <p:ph type="sldImg"/>
+          </p:nvPr>
+        </p:nvSpPr>
+        <p:spPr/>
+      </p:sp>
+      <p:sp>
+        <p:nvSpPr>
+          <p:cNvPr id="3" name="Notes Placeholder 2"/>
+          <p:cNvSpPr>
+            <a:spLocks noGrp="1"/>
+          </p:cNvSpPr>
+          <p:nvPr>
+            <p:ph type="body" idx="1"/>
+          </p:nvPr>
+        </p:nvSpPr>
+        <p:spPr/>
+        <p:txBody>
+          <a:bodyPr/>
+          <a:lstStyle/>
+          <a:p>
+            <a:r>
+              <a:rPr lang="en-US" dirty="0"/>
+              <a:t>If we have more than a single sentence we should split it with</a:t>
+            </a:r>
+            <a:r>
+              <a:rPr lang="en-US" baseline="0" dirty="0"/>
+              <a:t> the sentence </a:t>
+            </a:r>
+            <a:r>
+              <a:rPr lang="en-US" baseline="0" dirty="0" err="1"/>
+              <a:t>tokenizer</a:t>
+            </a:r>
+            <a:r>
+              <a:rPr lang="en-US" baseline="0" dirty="0"/>
+              <a:t>.</a:t>
+            </a:r>
+          </a:p>
+        </p:txBody>
+      </p:sp>
+      <p:sp>
+        <p:nvSpPr>
+          <p:cNvPr id="4" name="Slide Number Placeholder 3"/>
+          <p:cNvSpPr>
+            <a:spLocks noGrp="1"/>
+          </p:cNvSpPr>
+          <p:nvPr>
+            <p:ph type="sldNum" sz="quarter" idx="10"/>
+          </p:nvPr>
+        </p:nvSpPr>
+        <p:spPr/>
+        <p:txBody>
+          <a:bodyPr/>
+          <a:lstStyle/>
+          <a:p>
+            <a:fld id="{6897432C-C5DC-4C96-AB08-C0744BA83BFD}" type="slidenum">
+              <a:rPr lang="en-US" smtClean="0"/>
+              <a:t>44</a:t>
+            </a:fld>
+            <a:endParaRPr lang="en-US"/>
+          </a:p>
+        </p:txBody>
+      </p:sp>
+    </p:spTree>
+    <p:extLst>
+      <p:ext uri="{BB962C8B-B14F-4D97-AF65-F5344CB8AC3E}">
+        <p14:creationId xmlns:p14="http://schemas.microsoft.com/office/powerpoint/2010/main" val="1013481389"/>
+      </p:ext>
+    </p:extLst>
+  </p:cSld>
+  <p:clrMapOvr>
+    <a:masterClrMapping/>
+  </p:clrMapOvr>
+</p:notes>
+</file>
+
+<file path=ppt/notesSlides/notesSlide2.xml><?xml version="1.0" encoding="utf-8"?>
+<p:notes xmlns:a="http://schemas.openxmlformats.org/drawingml/2006/main" xmlns:r="http://schemas.openxmlformats.org/officeDocument/2006/relationships" xmlns:p="http://schemas.openxmlformats.org/presentationml/2006/main">
+  <p:cSld>
+    <p:spTree>
+      <p:nvGrpSpPr>
+        <p:cNvPr id="1" name=""/>
+        <p:cNvGrpSpPr/>
+        <p:nvPr/>
+      </p:nvGrpSpPr>
+      <p:grpSpPr>
+        <a:xfrm>
+          <a:off x="0" y="0"/>
+          <a:ext cx="0" cy="0"/>
+          <a:chOff x="0" y="0"/>
+          <a:chExt cx="0" cy="0"/>
+        </a:xfrm>
+      </p:grpSpPr>
+      <p:sp>
+        <p:nvSpPr>
+          <p:cNvPr id="2" name="מציין מיקום של תמונת שקופית 1"/>
+          <p:cNvSpPr>
+            <a:spLocks noGrp="1" noRot="1" noChangeAspect="1"/>
+          </p:cNvSpPr>
+          <p:nvPr>
+            <p:ph type="sldImg"/>
+          </p:nvPr>
+        </p:nvSpPr>
+        <p:spPr/>
+      </p:sp>
+      <p:sp>
+        <p:nvSpPr>
+          <p:cNvPr id="3" name="מציין מיקום של הערות 2"/>
+          <p:cNvSpPr>
+            <a:spLocks noGrp="1"/>
+          </p:cNvSpPr>
+          <p:nvPr>
+            <p:ph type="body" idx="1"/>
+          </p:nvPr>
+        </p:nvSpPr>
+        <p:spPr/>
+        <p:txBody>
+          <a:bodyPr/>
+          <a:lstStyle/>
+          <a:p>
+            <a:endParaRPr lang="en-IL" dirty="0"/>
+          </a:p>
+        </p:txBody>
+      </p:sp>
+      <p:sp>
+        <p:nvSpPr>
+          <p:cNvPr id="4" name="מציין מיקום של מספר שקופית 3"/>
+          <p:cNvSpPr>
+            <a:spLocks noGrp="1"/>
+          </p:cNvSpPr>
+          <p:nvPr>
+            <p:ph type="sldNum" sz="quarter" idx="5"/>
+          </p:nvPr>
+        </p:nvSpPr>
+        <p:spPr/>
+        <p:txBody>
+          <a:bodyPr/>
+          <a:lstStyle/>
+          <a:p>
+            <a:fld id="{6897432C-C5DC-4C96-AB08-C0744BA83BFD}" type="slidenum">
+              <a:rPr lang="en-US" smtClean="0"/>
+              <a:t>3</a:t>
+            </a:fld>
+            <a:endParaRPr lang="en-US"/>
+          </a:p>
+        </p:txBody>
+      </p:sp>
+    </p:spTree>
+    <p:extLst>
+      <p:ext uri="{BB962C8B-B14F-4D97-AF65-F5344CB8AC3E}">
+        <p14:creationId xmlns:p14="http://schemas.microsoft.com/office/powerpoint/2010/main" val="1949637754"/>
       </p:ext>
     </p:extLst>
   </p:cSld>
@@ -1245,9 +1712,33 @@
           <a:lstStyle/>
           <a:p>
             <a:r>
+              <a:rPr lang="en-US" dirty="0"/>
+              <a:t>Recall our search.py from previous lesson.</a:t>
+            </a:r>
+          </a:p>
+          <a:p>
+            <a:pPr algn="r"/>
+            <a:r>
               <a:rPr lang="he-IL" dirty="0"/>
-              <a:t>גזע.</a:t>
-            </a:r>
+              <a:t>כדאי להשתמש ב</a:t>
+            </a:r>
+            <a:r>
+              <a:rPr lang="en-US" dirty="0"/>
+              <a:t>TOKENIZATION</a:t>
+            </a:r>
+            <a:r>
+              <a:rPr lang="he-IL" dirty="0"/>
+              <a:t> ולא להשתמש ב</a:t>
+            </a:r>
+            <a:r>
+              <a:rPr lang="en-US" dirty="0"/>
+              <a:t>SPLIT</a:t>
+            </a:r>
+            <a:r>
+              <a:rPr lang="he-IL" dirty="0"/>
+              <a:t> </a:t>
+            </a:r>
+            <a:endParaRPr lang="en-US" dirty="0"/>
           </a:p>
         </p:txBody>
       </p:sp>
@@ -1268,7 +1759,7 @@
           <a:p>
             <a:fld id="{6897432C-C5DC-4C96-AB08-C0744BA83BFD}" type="slidenum">
               <a:rPr lang="en-US" smtClean="0"/>
-              <a:t>6</a:t>
+              <a:t>4</a:t>
             </a:fld>
             <a:endParaRPr lang="en-US"/>
           </a:p>
@@ -1277,7 +1768,7 @@
     </p:spTree>
     <p:extLst>
       <p:ext uri="{BB962C8B-B14F-4D97-AF65-F5344CB8AC3E}">
-        <p14:creationId xmlns:p14="http://schemas.microsoft.com/office/powerpoint/2010/main" val="3659511145"/>
+        <p14:creationId xmlns:p14="http://schemas.microsoft.com/office/powerpoint/2010/main" val="3220035171"/>
       </p:ext>
     </p:extLst>
   </p:cSld>
@@ -1331,34 +1822,7 @@
           <a:bodyPr/>
           <a:lstStyle/>
           <a:p>
-            <a:r>
-              <a:rPr lang="en-US" dirty="0"/>
-              <a:t>Part of speech e.g.:</a:t>
-            </a:r>
-            <a:r>
-              <a:rPr lang="en-US" baseline="0" dirty="0"/>
-              <a:t> </a:t>
-            </a:r>
-            <a:r>
-              <a:rPr lang="en-US" dirty="0"/>
-              <a:t>nouns, pronouns, articles, adjectives, verbs, adverbs, conjunctions and prepositions</a:t>
-            </a:r>
-            <a:endParaRPr lang="en-US" baseline="0" dirty="0"/>
-          </a:p>
-          <a:p>
-            <a:r>
-              <a:rPr lang="en-US" baseline="0" dirty="0"/>
-              <a:t>(not to be confused with part of sentence: </a:t>
-            </a:r>
-            <a:r>
-              <a:rPr lang="en-US" dirty="0"/>
-              <a:t>subject, predicate, objects, complements, phrases and clauses</a:t>
-            </a:r>
-            <a:r>
-              <a:rPr lang="en-US" baseline="0" dirty="0"/>
-              <a:t>)</a:t>
-            </a:r>
-            <a:endParaRPr lang="en-US" dirty="0"/>
+            <a:endParaRPr lang="he-IL" dirty="0"/>
           </a:p>
         </p:txBody>
       </p:sp>
@@ -1379,7 +1843,7 @@
           <a:p>
             <a:fld id="{6897432C-C5DC-4C96-AB08-C0744BA83BFD}" type="slidenum">
               <a:rPr lang="en-US" smtClean="0"/>
-              <a:t>8</a:t>
+              <a:t>6</a:t>
             </a:fld>
             <a:endParaRPr lang="en-US"/>
           </a:p>
@@ -1388,7 +1852,7 @@
     </p:spTree>
     <p:extLst>
       <p:ext uri="{BB962C8B-B14F-4D97-AF65-F5344CB8AC3E}">
-        <p14:creationId xmlns:p14="http://schemas.microsoft.com/office/powerpoint/2010/main" val="2745407338"/>
+        <p14:creationId xmlns:p14="http://schemas.microsoft.com/office/powerpoint/2010/main" val="3659511145"/>
       </p:ext>
     </p:extLst>
   </p:cSld>
@@ -1417,7 +1881,7 @@
       </p:grpSpPr>
       <p:sp>
         <p:nvSpPr>
-          <p:cNvPr id="2" name="Slide Image Placeholder 1"/>
+          <p:cNvPr id="2" name="מציין מיקום של תמונת שקופית 1"/>
           <p:cNvSpPr>
             <a:spLocks noGrp="1" noRot="1" noChangeAspect="1"/>
           </p:cNvSpPr>
@@ -1429,7 +1893,7 @@
       </p:sp>
       <p:sp>
         <p:nvSpPr>
-          <p:cNvPr id="3" name="Notes Placeholder 2"/>
+          <p:cNvPr id="3" name="מציין מיקום של הערות 2"/>
           <p:cNvSpPr>
             <a:spLocks noGrp="1"/>
           </p:cNvSpPr>
@@ -1442,24 +1906,13 @@
           <a:bodyPr/>
           <a:lstStyle/>
           <a:p>
-            <a:r>
-              <a:rPr lang="en-US" dirty="0"/>
-              <a:t>According to: https://stackoverflow.com/questions/32016545/how-does-nltk-pos-tag-work/41384824 </a:t>
-            </a:r>
-            <a:r>
-              <a:rPr lang="en-US" dirty="0" err="1"/>
-              <a:t>nltk</a:t>
-            </a:r>
-            <a:r>
-              <a:rPr lang="en-US" dirty="0"/>
-              <a:t> uses perceptron tagger.</a:t>
-            </a:r>
+            <a:endParaRPr lang="en-IL" dirty="0"/>
           </a:p>
         </p:txBody>
       </p:sp>
       <p:sp>
         <p:nvSpPr>
-          <p:cNvPr id="4" name="Slide Number Placeholder 3"/>
+          <p:cNvPr id="4" name="מציין מיקום של מספר שקופית 3"/>
           <p:cNvSpPr>
             <a:spLocks noGrp="1"/>
           </p:cNvSpPr>
@@ -1474,7 +1927,7 @@
           <a:p>
             <a:fld id="{6897432C-C5DC-4C96-AB08-C0744BA83BFD}" type="slidenum">
               <a:rPr lang="en-US" smtClean="0"/>
-              <a:t>9</a:t>
+              <a:t>7</a:t>
             </a:fld>
             <a:endParaRPr lang="en-US"/>
           </a:p>
@@ -1483,7 +1936,7 @@
     </p:spTree>
     <p:extLst>
       <p:ext uri="{BB962C8B-B14F-4D97-AF65-F5344CB8AC3E}">
-        <p14:creationId xmlns:p14="http://schemas.microsoft.com/office/powerpoint/2010/main" val="4162902164"/>
+        <p14:creationId xmlns:p14="http://schemas.microsoft.com/office/powerpoint/2010/main" val="515313000"/>
       </p:ext>
     </p:extLst>
   </p:cSld>
@@ -1537,31 +1990,34 @@
           <a:bodyPr/>
           <a:lstStyle/>
           <a:p>
-            <a:pPr marL="0" marR="0" indent="0" algn="l" defTabSz="914400" rtl="0" eaLnBrk="1" fontAlgn="auto" latinLnBrk="0" hangingPunct="1">
-              <a:lnSpc>
-                <a:spcPct val="100000"/>
-              </a:lnSpc>
-              <a:spcBef>
-                <a:spcPts val="0"/>
-              </a:spcBef>
-              <a:spcAft>
-                <a:spcPts val="0"/>
-              </a:spcAft>
-              <a:buClrTx/>
-              <a:buSzTx/>
-              <a:buFontTx/>
-              <a:buNone/>
-              <a:tabLst/>
-              <a:defRPr/>
-            </a:pPr>
-            <a:r>
-              <a:rPr lang="he-IL" dirty="0"/>
-              <a:t>כמו שורש בעברית</a:t>
-            </a:r>
-            <a:endParaRPr lang="en-US" dirty="0"/>
-          </a:p>
-          <a:p>
-            <a:endParaRPr lang="en-US" dirty="0"/>
+            <a:r>
+              <a:rPr lang="en-US" dirty="0"/>
+              <a:t>Part of speech e.g.:</a:t>
+            </a:r>
+            <a:r>
+              <a:rPr lang="en-US" baseline="0" dirty="0"/>
+              <a:t> </a:t>
+            </a:r>
+            <a:r>
+              <a:rPr lang="en-US" dirty="0"/>
+              <a:t>nouns, pronouns, articles, adjectives, verbs, adverbs, conjunctions and prepositions</a:t>
+            </a:r>
+            <a:endParaRPr lang="en-US" baseline="0" dirty="0"/>
+          </a:p>
+          <a:p>
+            <a:r>
+              <a:rPr lang="en-US" baseline="0" dirty="0"/>
+              <a:t>(not to be confused with part of sentence: </a:t>
+            </a:r>
+            <a:r>
+              <a:rPr lang="en-US" dirty="0"/>
+              <a:t>subject, predicate, objects, complements, phrases and clauses</a:t>
+            </a:r>
+            <a:r>
+              <a:rPr lang="en-US" baseline="0" dirty="0"/>
+              <a:t>)</a:t>
+            </a:r>
+            <a:endParaRPr lang="he-IL" baseline="0" dirty="0"/>
           </a:p>
         </p:txBody>
       </p:sp>
@@ -1582,7 +2038,7 @@
           <a:p>
             <a:fld id="{6897432C-C5DC-4C96-AB08-C0744BA83BFD}" type="slidenum">
               <a:rPr lang="en-US" smtClean="0"/>
-              <a:t>14</a:t>
+              <a:t>8</a:t>
             </a:fld>
             <a:endParaRPr lang="en-US"/>
           </a:p>
@@ -1591,7 +2047,7 @@
     </p:spTree>
     <p:extLst>
       <p:ext uri="{BB962C8B-B14F-4D97-AF65-F5344CB8AC3E}">
-        <p14:creationId xmlns:p14="http://schemas.microsoft.com/office/powerpoint/2010/main" val="3589939194"/>
+        <p14:creationId xmlns:p14="http://schemas.microsoft.com/office/powerpoint/2010/main" val="2745407338"/>
       </p:ext>
     </p:extLst>
   </p:cSld>
@@ -1645,31 +2101,18 @@
           <a:bodyPr/>
           <a:lstStyle/>
           <a:p>
-            <a:pPr marL="0" marR="0" indent="0" algn="l" defTabSz="914400" rtl="0" eaLnBrk="1" fontAlgn="auto" latinLnBrk="0" hangingPunct="1">
-              <a:lnSpc>
-                <a:spcPct val="100000"/>
-              </a:lnSpc>
-              <a:spcBef>
-                <a:spcPts val="0"/>
-              </a:spcBef>
-              <a:spcAft>
-                <a:spcPts val="0"/>
-              </a:spcAft>
-              <a:buClrTx/>
-              <a:buSzTx/>
-              <a:buFontTx/>
-              <a:buNone/>
-              <a:tabLst/>
-              <a:defRPr/>
-            </a:pPr>
-            <a:r>
-              <a:rPr lang="he-IL" dirty="0"/>
-              <a:t>כמו שורש בעברית</a:t>
-            </a:r>
-            <a:endParaRPr lang="en-US" dirty="0"/>
-          </a:p>
-          <a:p>
-            <a:endParaRPr lang="en-US" dirty="0"/>
+            <a:r>
+              <a:rPr lang="en-US" dirty="0"/>
+              <a:t>According to: https://stackoverflow.com/questions/32016545/how-does-nltk-pos-tag-work/41384824 </a:t>
+            </a:r>
+            <a:r>
+              <a:rPr lang="en-US" dirty="0" err="1"/>
+              <a:t>nltk</a:t>
+            </a:r>
+            <a:r>
+              <a:rPr lang="en-US" dirty="0"/>
+              <a:t> uses perceptron tagger.</a:t>
+            </a:r>
           </a:p>
         </p:txBody>
       </p:sp>
@@ -1680,7 +2123,7 @@
             <a:spLocks noGrp="1"/>
           </p:cNvSpPr>
           <p:nvPr>
-            <p:ph type="sldNum" sz="quarter" idx="10"/>
+            <p:ph type="sldNum" sz="quarter" idx="5"/>
           </p:nvPr>
         </p:nvSpPr>
         <p:spPr/>
@@ -1690,7 +2133,7 @@
           <a:p>
             <a:fld id="{6897432C-C5DC-4C96-AB08-C0744BA83BFD}" type="slidenum">
               <a:rPr lang="en-US" smtClean="0"/>
-              <a:t>15</a:t>
+              <a:t>9</a:t>
             </a:fld>
             <a:endParaRPr lang="en-US"/>
           </a:p>
@@ -1699,7 +2142,7 @@
     </p:spTree>
     <p:extLst>
       <p:ext uri="{BB962C8B-B14F-4D97-AF65-F5344CB8AC3E}">
-        <p14:creationId xmlns:p14="http://schemas.microsoft.com/office/powerpoint/2010/main" val="3589939194"/>
+        <p14:creationId xmlns:p14="http://schemas.microsoft.com/office/powerpoint/2010/main" val="4162902164"/>
       </p:ext>
     </p:extLst>
   </p:cSld>
@@ -1728,7 +2171,7 @@
       </p:grpSpPr>
       <p:sp>
         <p:nvSpPr>
-          <p:cNvPr id="2" name="Slide Image Placeholder 1"/>
+          <p:cNvPr id="2" name="מציין מיקום של תמונת שקופית 1"/>
           <p:cNvSpPr>
             <a:spLocks noGrp="1" noRot="1" noChangeAspect="1"/>
           </p:cNvSpPr>
@@ -1740,7 +2183,7 @@
       </p:sp>
       <p:sp>
         <p:nvSpPr>
-          <p:cNvPr id="3" name="Notes Placeholder 2"/>
+          <p:cNvPr id="3" name="מציין מיקום של הערות 2"/>
           <p:cNvSpPr>
             <a:spLocks noGrp="1"/>
           </p:cNvSpPr>
@@ -1753,84 +2196,22 @@
           <a:bodyPr/>
           <a:lstStyle/>
           <a:p>
-            <a:pPr lvl="1"/>
-            <a:r>
-              <a:rPr lang="en-US" dirty="0"/>
-              <a:t>Chunk: {&lt;RB.?&gt;*&lt;VB.?&gt;*&lt;NNP&gt;+&lt;NN&gt;?}:</a:t>
-            </a:r>
-          </a:p>
-          <a:p>
-            <a:pPr lvl="2"/>
-            <a:r>
-              <a:rPr lang="en-US" dirty="0"/>
-              <a:t>&lt;RB.?&gt;* = 0 or more of any tense of adverb, (.? Means that there can be another character here: RB, RBR, RBS)</a:t>
-            </a:r>
-          </a:p>
-          <a:p>
-            <a:pPr lvl="2"/>
-            <a:r>
-              <a:rPr lang="en-US" dirty="0"/>
-              <a:t>&lt;VB.?&gt;* = 0 or more of any tense of verb,</a:t>
-            </a:r>
-          </a:p>
-          <a:p>
-            <a:pPr lvl="2"/>
-            <a:r>
-              <a:rPr lang="en-US" dirty="0"/>
-              <a:t>&lt;NNP&gt;+ = One or more proper nouns,</a:t>
-            </a:r>
-          </a:p>
-          <a:p>
-            <a:pPr lvl="2"/>
-            <a:r>
-              <a:rPr lang="en-US" dirty="0"/>
-              <a:t>&lt;NN&gt;? = zero or one singular noun.</a:t>
-            </a:r>
-          </a:p>
-          <a:p>
-            <a:pPr lvl="2"/>
-            <a:endParaRPr lang="en-US" dirty="0"/>
-          </a:p>
-          <a:p>
-            <a:pPr marL="914400" marR="0" lvl="2" indent="0" algn="l" defTabSz="914400" rtl="0" eaLnBrk="1" fontAlgn="auto" latinLnBrk="0" hangingPunct="1">
-              <a:lnSpc>
-                <a:spcPct val="100000"/>
-              </a:lnSpc>
-              <a:spcBef>
-                <a:spcPts val="0"/>
-              </a:spcBef>
-              <a:spcAft>
-                <a:spcPts val="0"/>
-              </a:spcAft>
-              <a:buClrTx/>
-              <a:buSzTx/>
-              <a:buFontTx/>
-              <a:buNone/>
-              <a:tabLst/>
-              <a:defRPr/>
-            </a:pPr>
-            <a:r>
-              <a:rPr lang="en-US" sz="1200" dirty="0"/>
-              <a:t>https://pythonprogramming.net/chunking-nltk-tutorial/</a:t>
-            </a:r>
-          </a:p>
-          <a:p>
-            <a:pPr lvl="2"/>
-            <a:endParaRPr lang="en-US" dirty="0"/>
-          </a:p>
-          <a:p>
-            <a:endParaRPr lang="en-US" dirty="0"/>
+            <a:r>
+              <a:rPr lang="en-US"/>
+              <a:t>https://www.mygreatlearning.com/blog/pos-tagging/</a:t>
+            </a:r>
+            <a:endParaRPr lang="he-IL" dirty="0"/>
           </a:p>
         </p:txBody>
       </p:sp>
       <p:sp>
         <p:nvSpPr>
-          <p:cNvPr id="4" name="Slide Number Placeholder 3"/>
+          <p:cNvPr id="4" name="מציין מיקום של מספר שקופית 3"/>
           <p:cNvSpPr>
             <a:spLocks noGrp="1"/>
           </p:cNvSpPr>
           <p:nvPr>
-            <p:ph type="sldNum" sz="quarter" idx="10"/>
+            <p:ph type="sldNum" sz="quarter" idx="5"/>
           </p:nvPr>
         </p:nvSpPr>
         <p:spPr/>
@@ -1840,7 +2221,7 @@
           <a:p>
             <a:fld id="{6897432C-C5DC-4C96-AB08-C0744BA83BFD}" type="slidenum">
               <a:rPr lang="en-US" smtClean="0"/>
-              <a:t>16</a:t>
+              <a:t>10</a:t>
             </a:fld>
             <a:endParaRPr lang="en-US"/>
           </a:p>
@@ -1849,7 +2230,7 @@
     </p:spTree>
     <p:extLst>
       <p:ext uri="{BB962C8B-B14F-4D97-AF65-F5344CB8AC3E}">
-        <p14:creationId xmlns:p14="http://schemas.microsoft.com/office/powerpoint/2010/main" val="3091407052"/>
+        <p14:creationId xmlns:p14="http://schemas.microsoft.com/office/powerpoint/2010/main" val="2376987139"/>
       </p:ext>
     </p:extLst>
   </p:cSld>
@@ -1878,7 +2259,7 @@
       </p:grpSpPr>
       <p:sp>
         <p:nvSpPr>
-          <p:cNvPr id="2" name="Slide Image Placeholder 1"/>
+          <p:cNvPr id="2" name="מציין מיקום של תמונת שקופית 1"/>
           <p:cNvSpPr>
             <a:spLocks noGrp="1" noRot="1" noChangeAspect="1"/>
           </p:cNvSpPr>
@@ -1890,7 +2271,7 @@
       </p:sp>
       <p:sp>
         <p:nvSpPr>
-          <p:cNvPr id="3" name="Notes Placeholder 2"/>
+          <p:cNvPr id="3" name="מציין מיקום של הערות 2"/>
           <p:cNvSpPr>
             <a:spLocks noGrp="1"/>
           </p:cNvSpPr>
@@ -1904,33 +2285,23 @@
           <a:lstStyle/>
           <a:p>
             <a:r>
-              <a:rPr lang="en-US" b="1" dirty="0" err="1"/>
-              <a:t>Cocke</a:t>
-            </a:r>
-            <a:r>
-              <a:rPr lang="en-US" b="1" dirty="0"/>
-              <a:t>–Younger–</a:t>
-            </a:r>
-            <a:r>
-              <a:rPr lang="en-US" b="1" dirty="0" err="1"/>
-              <a:t>Kasami</a:t>
-            </a:r>
-            <a:r>
-              <a:rPr lang="en-US" b="1" dirty="0"/>
-              <a:t> </a:t>
-            </a:r>
-            <a:endParaRPr lang="en-US" dirty="0"/>
+              <a:rPr lang="en-US" dirty="0">
+                <a:hlinkClick r:id="rId3"/>
+              </a:rPr>
+              <a:t>POS (Part-of-Speech) tagging with Hidden Markov Model | Great Learning (mygreatlearning.com)</a:t>
+            </a:r>
+            <a:endParaRPr lang="en-IL" dirty="0"/>
           </a:p>
         </p:txBody>
       </p:sp>
       <p:sp>
         <p:nvSpPr>
-          <p:cNvPr id="4" name="Slide Number Placeholder 3"/>
+          <p:cNvPr id="4" name="מציין מיקום של מספר שקופית 3"/>
           <p:cNvSpPr>
             <a:spLocks noGrp="1"/>
           </p:cNvSpPr>
           <p:nvPr>
-            <p:ph type="sldNum" sz="quarter" idx="10"/>
+            <p:ph type="sldNum" sz="quarter" idx="5"/>
           </p:nvPr>
         </p:nvSpPr>
         <p:spPr/>
@@ -1940,7 +2311,7 @@
           <a:p>
             <a:fld id="{6897432C-C5DC-4C96-AB08-C0744BA83BFD}" type="slidenum">
               <a:rPr lang="en-US" smtClean="0"/>
-              <a:t>28</a:t>
+              <a:t>12</a:t>
             </a:fld>
             <a:endParaRPr lang="en-US"/>
           </a:p>
@@ -1949,7 +2320,7 @@
     </p:spTree>
     <p:extLst>
       <p:ext uri="{BB962C8B-B14F-4D97-AF65-F5344CB8AC3E}">
-        <p14:creationId xmlns:p14="http://schemas.microsoft.com/office/powerpoint/2010/main" val="1984463254"/>
+        <p14:creationId xmlns:p14="http://schemas.microsoft.com/office/powerpoint/2010/main" val="744395722"/>
       </p:ext>
     </p:extLst>
   </p:cSld>
@@ -2139,7 +2510,7 @@
             <a:fld id="{1D8BD707-D9CF-40AE-B4C6-C98DA3205C09}" type="datetimeFigureOut">
               <a:rPr lang="en-US" smtClean="0"/>
               <a:pPr/>
-              <a:t>10/10/2021</a:t>
+              <a:t>10/18/2022</a:t>
             </a:fld>
             <a:endParaRPr lang="en-US"/>
           </a:p>
@@ -2304,7 +2675,7 @@
             <a:fld id="{1D8BD707-D9CF-40AE-B4C6-C98DA3205C09}" type="datetimeFigureOut">
               <a:rPr lang="en-US" smtClean="0"/>
               <a:pPr/>
-              <a:t>10/10/2021</a:t>
+              <a:t>10/18/2022</a:t>
             </a:fld>
             <a:endParaRPr lang="en-US"/>
           </a:p>
@@ -2479,7 +2850,7 @@
             <a:fld id="{1D8BD707-D9CF-40AE-B4C6-C98DA3205C09}" type="datetimeFigureOut">
               <a:rPr lang="en-US" smtClean="0"/>
               <a:pPr/>
-              <a:t>10/10/2021</a:t>
+              <a:t>10/18/2022</a:t>
             </a:fld>
             <a:endParaRPr lang="en-US"/>
           </a:p>
@@ -2644,7 +3015,7 @@
             <a:fld id="{1D8BD707-D9CF-40AE-B4C6-C98DA3205C09}" type="datetimeFigureOut">
               <a:rPr lang="en-US" smtClean="0"/>
               <a:pPr/>
-              <a:t>10/10/2021</a:t>
+              <a:t>10/18/2022</a:t>
             </a:fld>
             <a:endParaRPr lang="en-US"/>
           </a:p>
@@ -2886,7 +3257,7 @@
             <a:fld id="{1D8BD707-D9CF-40AE-B4C6-C98DA3205C09}" type="datetimeFigureOut">
               <a:rPr lang="en-US" smtClean="0"/>
               <a:pPr/>
-              <a:t>10/10/2021</a:t>
+              <a:t>10/18/2022</a:t>
             </a:fld>
             <a:endParaRPr lang="en-US"/>
           </a:p>
@@ -3168,7 +3539,7 @@
             <a:fld id="{1D8BD707-D9CF-40AE-B4C6-C98DA3205C09}" type="datetimeFigureOut">
               <a:rPr lang="en-US" smtClean="0"/>
               <a:pPr/>
-              <a:t>10/10/2021</a:t>
+              <a:t>10/18/2022</a:t>
             </a:fld>
             <a:endParaRPr lang="en-US"/>
           </a:p>
@@ -3584,7 +3955,7 @@
             <a:fld id="{1D8BD707-D9CF-40AE-B4C6-C98DA3205C09}" type="datetimeFigureOut">
               <a:rPr lang="en-US" smtClean="0"/>
               <a:pPr/>
-              <a:t>10/10/2021</a:t>
+              <a:t>10/18/2022</a:t>
             </a:fld>
             <a:endParaRPr lang="en-US"/>
           </a:p>
@@ -3698,7 +4069,7 @@
             <a:fld id="{1D8BD707-D9CF-40AE-B4C6-C98DA3205C09}" type="datetimeFigureOut">
               <a:rPr lang="en-US" smtClean="0"/>
               <a:pPr/>
-              <a:t>10/10/2021</a:t>
+              <a:t>10/18/2022</a:t>
             </a:fld>
             <a:endParaRPr lang="en-US"/>
           </a:p>
@@ -3790,7 +4161,7 @@
             <a:fld id="{1D8BD707-D9CF-40AE-B4C6-C98DA3205C09}" type="datetimeFigureOut">
               <a:rPr lang="en-US" smtClean="0"/>
               <a:pPr/>
-              <a:t>10/10/2021</a:t>
+              <a:t>10/18/2022</a:t>
             </a:fld>
             <a:endParaRPr lang="en-US"/>
           </a:p>
@@ -4062,7 +4433,7 @@
             <a:fld id="{1D8BD707-D9CF-40AE-B4C6-C98DA3205C09}" type="datetimeFigureOut">
               <a:rPr lang="en-US" smtClean="0"/>
               <a:pPr/>
-              <a:t>10/10/2021</a:t>
+              <a:t>10/18/2022</a:t>
             </a:fld>
             <a:endParaRPr lang="en-US"/>
           </a:p>
@@ -4311,7 +4682,7 @@
             <a:fld id="{1D8BD707-D9CF-40AE-B4C6-C98DA3205C09}" type="datetimeFigureOut">
               <a:rPr lang="en-US" smtClean="0"/>
               <a:pPr/>
-              <a:t>10/10/2021</a:t>
+              <a:t>10/18/2022</a:t>
             </a:fld>
             <a:endParaRPr lang="en-US"/>
           </a:p>
@@ -4519,7 +4890,7 @@
             <a:fld id="{1D8BD707-D9CF-40AE-B4C6-C98DA3205C09}" type="datetimeFigureOut">
               <a:rPr lang="en-US" smtClean="0"/>
               <a:pPr/>
-              <a:t>10/10/2021</a:t>
+              <a:t>10/18/2022</a:t>
             </a:fld>
             <a:endParaRPr lang="en-US"/>
           </a:p>
@@ -5064,7 +5435,7 @@
             <p:nvPr/>
           </p:nvPicPr>
           <p:blipFill>
-            <a:blip r:embed="rId2"/>
+            <a:blip r:embed="rId3"/>
             <a:stretch>
               <a:fillRect/>
             </a:stretch>
@@ -5445,7 +5816,7 @@
           <p:nvPr/>
         </p:nvPicPr>
         <p:blipFill>
-          <a:blip r:embed="rId3"/>
+          <a:blip r:embed="rId4"/>
           <a:stretch>
             <a:fillRect/>
           </a:stretch>
@@ -5475,7 +5846,7 @@
           <p:nvPr/>
         </p:nvPicPr>
         <p:blipFill>
-          <a:blip r:embed="rId4"/>
+          <a:blip r:embed="rId5"/>
           <a:stretch>
             <a:fillRect/>
           </a:stretch>
@@ -7394,7 +7765,7 @@
           </p:nvPr>
         </p:nvPicPr>
         <p:blipFill>
-          <a:blip r:embed="rId2">
+          <a:blip r:embed="rId3">
             <a:extLst>
               <a:ext uri="{28A0092B-C50C-407E-A947-70E740481C1C}">
                 <a14:useLocalDpi xmlns:a14="http://schemas.microsoft.com/office/drawing/2010/main" val="0"/>
@@ -14271,7 +14642,7 @@
             </a:r>
             <a:r>
               <a:rPr lang="en-US" dirty="0" err="1"/>
-              <a:t>nltk.pos_tag</a:t>
+              <a:t>pos_tag</a:t>
             </a:r>
             <a:r>
               <a:rPr lang="en-US" dirty="0"/>
@@ -18785,7 +19156,7 @@
             <a:pPr lvl="1"/>
             <a:r>
               <a:rPr lang="en-US" dirty="0"/>
-              <a:t>Auto completion</a:t>
+              <a:t>Auto completion, predicting next words when writing</a:t>
             </a:r>
           </a:p>
           <a:p>
@@ -40839,7 +41210,15 @@
           <a:p>
             <a:r>
               <a:rPr lang="en-US" sz="1200" dirty="0"/>
-              <a:t>PRP - Personal pronoun</a:t>
+              <a:t>PRP - </a:t>
+            </a:r>
+            <a:r>
+              <a:rPr lang="en-US" sz="1200" dirty="0" err="1"/>
+              <a:t>Persol</a:t>
+            </a:r>
+            <a:r>
+              <a:rPr lang="en-US" sz="1200" dirty="0"/>
+              <a:t> pronoun</a:t>
             </a:r>
           </a:p>
           <a:p>
